--- a/hw6/fig_ppt.pptx
+++ b/hw6/fig_ppt.pptx
@@ -9,6 +9,7 @@
     <p:sldId id="260" r:id="rId3"/>
     <p:sldId id="258" r:id="rId4"/>
     <p:sldId id="259" r:id="rId5"/>
+    <p:sldId id="261" r:id="rId6"/>
   </p:sldIdLst>
   <p:sldSz cx="12192000" cy="6858000"/>
   <p:notesSz cx="6858000" cy="9144000"/>
@@ -264,7 +265,7 @@
           <a:p>
             <a:fld id="{3C8E06D8-F48F-4F83-8D9F-1330F4D8F21B}" type="datetimeFigureOut">
               <a:rPr lang="en-MY" smtClean="0"/>
-              <a:t>21/12/2024</a:t>
+              <a:t>23/12/2024</a:t>
             </a:fld>
             <a:endParaRPr lang="en-MY"/>
           </a:p>
@@ -464,7 +465,7 @@
           <a:p>
             <a:fld id="{3C8E06D8-F48F-4F83-8D9F-1330F4D8F21B}" type="datetimeFigureOut">
               <a:rPr lang="en-MY" smtClean="0"/>
-              <a:t>21/12/2024</a:t>
+              <a:t>23/12/2024</a:t>
             </a:fld>
             <a:endParaRPr lang="en-MY"/>
           </a:p>
@@ -674,7 +675,7 @@
           <a:p>
             <a:fld id="{3C8E06D8-F48F-4F83-8D9F-1330F4D8F21B}" type="datetimeFigureOut">
               <a:rPr lang="en-MY" smtClean="0"/>
-              <a:t>21/12/2024</a:t>
+              <a:t>23/12/2024</a:t>
             </a:fld>
             <a:endParaRPr lang="en-MY"/>
           </a:p>
@@ -874,7 +875,7 @@
           <a:p>
             <a:fld id="{3C8E06D8-F48F-4F83-8D9F-1330F4D8F21B}" type="datetimeFigureOut">
               <a:rPr lang="en-MY" smtClean="0"/>
-              <a:t>21/12/2024</a:t>
+              <a:t>23/12/2024</a:t>
             </a:fld>
             <a:endParaRPr lang="en-MY"/>
           </a:p>
@@ -1150,7 +1151,7 @@
           <a:p>
             <a:fld id="{3C8E06D8-F48F-4F83-8D9F-1330F4D8F21B}" type="datetimeFigureOut">
               <a:rPr lang="en-MY" smtClean="0"/>
-              <a:t>21/12/2024</a:t>
+              <a:t>23/12/2024</a:t>
             </a:fld>
             <a:endParaRPr lang="en-MY"/>
           </a:p>
@@ -1418,7 +1419,7 @@
           <a:p>
             <a:fld id="{3C8E06D8-F48F-4F83-8D9F-1330F4D8F21B}" type="datetimeFigureOut">
               <a:rPr lang="en-MY" smtClean="0"/>
-              <a:t>21/12/2024</a:t>
+              <a:t>23/12/2024</a:t>
             </a:fld>
             <a:endParaRPr lang="en-MY"/>
           </a:p>
@@ -1833,7 +1834,7 @@
           <a:p>
             <a:fld id="{3C8E06D8-F48F-4F83-8D9F-1330F4D8F21B}" type="datetimeFigureOut">
               <a:rPr lang="en-MY" smtClean="0"/>
-              <a:t>21/12/2024</a:t>
+              <a:t>23/12/2024</a:t>
             </a:fld>
             <a:endParaRPr lang="en-MY"/>
           </a:p>
@@ -1975,7 +1976,7 @@
           <a:p>
             <a:fld id="{3C8E06D8-F48F-4F83-8D9F-1330F4D8F21B}" type="datetimeFigureOut">
               <a:rPr lang="en-MY" smtClean="0"/>
-              <a:t>21/12/2024</a:t>
+              <a:t>23/12/2024</a:t>
             </a:fld>
             <a:endParaRPr lang="en-MY"/>
           </a:p>
@@ -2088,7 +2089,7 @@
           <a:p>
             <a:fld id="{3C8E06D8-F48F-4F83-8D9F-1330F4D8F21B}" type="datetimeFigureOut">
               <a:rPr lang="en-MY" smtClean="0"/>
-              <a:t>21/12/2024</a:t>
+              <a:t>23/12/2024</a:t>
             </a:fld>
             <a:endParaRPr lang="en-MY"/>
           </a:p>
@@ -2401,7 +2402,7 @@
           <a:p>
             <a:fld id="{3C8E06D8-F48F-4F83-8D9F-1330F4D8F21B}" type="datetimeFigureOut">
               <a:rPr lang="en-MY" smtClean="0"/>
-              <a:t>21/12/2024</a:t>
+              <a:t>23/12/2024</a:t>
             </a:fld>
             <a:endParaRPr lang="en-MY"/>
           </a:p>
@@ -2690,7 +2691,7 @@
           <a:p>
             <a:fld id="{3C8E06D8-F48F-4F83-8D9F-1330F4D8F21B}" type="datetimeFigureOut">
               <a:rPr lang="en-MY" smtClean="0"/>
-              <a:t>21/12/2024</a:t>
+              <a:t>23/12/2024</a:t>
             </a:fld>
             <a:endParaRPr lang="en-MY"/>
           </a:p>
@@ -2933,7 +2934,7 @@
           <a:p>
             <a:fld id="{3C8E06D8-F48F-4F83-8D9F-1330F4D8F21B}" type="datetimeFigureOut">
               <a:rPr lang="en-MY" smtClean="0"/>
-              <a:t>21/12/2024</a:t>
+              <a:t>23/12/2024</a:t>
             </a:fld>
             <a:endParaRPr lang="en-MY"/>
           </a:p>
@@ -5172,8 +5173,8 @@
           </a:fontRef>
         </p:style>
       </p:cxnSp>
-      <mc:AlternateContent xmlns:mc="http://schemas.openxmlformats.org/markup-compatibility/2006">
-        <mc:Choice xmlns:a14="http://schemas.microsoft.com/office/drawing/2010/main" Requires="a14">
+      <mc:AlternateContent xmlns:mc="http://schemas.openxmlformats.org/markup-compatibility/2006" xmlns:a14="http://schemas.microsoft.com/office/drawing/2010/main">
+        <mc:Choice Requires="a14">
           <p:sp>
             <p:nvSpPr>
               <p:cNvPr id="70" name="Rectangle 69">
@@ -5287,7 +5288,7 @@
             </p:txBody>
           </p:sp>
         </mc:Choice>
-        <mc:Fallback>
+        <mc:Fallback xmlns="">
           <p:sp>
             <p:nvSpPr>
               <p:cNvPr id="70" name="Rectangle 69">
@@ -7413,8 +7414,8 @@
           </a:p>
         </p:txBody>
       </p:sp>
-      <mc:AlternateContent xmlns:mc="http://schemas.openxmlformats.org/markup-compatibility/2006">
-        <mc:Choice xmlns:a14="http://schemas.microsoft.com/office/drawing/2010/main" Requires="a14">
+      <mc:AlternateContent xmlns:mc="http://schemas.openxmlformats.org/markup-compatibility/2006" xmlns:a14="http://schemas.microsoft.com/office/drawing/2010/main">
+        <mc:Choice Requires="a14">
           <p:sp>
             <p:nvSpPr>
               <p:cNvPr id="117" name="Rectangle 116">
@@ -7528,7 +7529,7 @@
             </p:txBody>
           </p:sp>
         </mc:Choice>
-        <mc:Fallback>
+        <mc:Fallback xmlns="">
           <p:sp>
             <p:nvSpPr>
               <p:cNvPr id="117" name="Rectangle 116">
@@ -7611,8 +7612,8 @@
           <a:chExt cx="0" cy="0"/>
         </a:xfrm>
       </p:grpSpPr>
-      <mc:AlternateContent xmlns:mc="http://schemas.openxmlformats.org/markup-compatibility/2006">
-        <mc:Choice xmlns:a14="http://schemas.microsoft.com/office/drawing/2010/main" Requires="a14">
+      <mc:AlternateContent xmlns:mc="http://schemas.openxmlformats.org/markup-compatibility/2006" xmlns:a14="http://schemas.microsoft.com/office/drawing/2010/main">
+        <mc:Choice Requires="a14">
           <p:sp>
             <p:nvSpPr>
               <p:cNvPr id="5" name="TextBox 4">
@@ -7641,6 +7642,7 @@
               </a:bodyPr>
               <a:lstStyle/>
               <a:p>
+                <a:pPr/>
                 <a14:m>
                   <m:oMathPara xmlns:m="http://schemas.openxmlformats.org/officeDocument/2006/math">
                     <m:oMathParaPr>
@@ -7856,7 +7858,7 @@
             </p:txBody>
           </p:sp>
         </mc:Choice>
-        <mc:Fallback>
+        <mc:Fallback xmlns="">
           <p:sp>
             <p:nvSpPr>
               <p:cNvPr id="5" name="TextBox 4">
@@ -7901,8 +7903,8 @@
           </p:sp>
         </mc:Fallback>
       </mc:AlternateContent>
-      <mc:AlternateContent xmlns:mc="http://schemas.openxmlformats.org/markup-compatibility/2006">
-        <mc:Choice xmlns:a14="http://schemas.microsoft.com/office/drawing/2010/main" Requires="a14">
+      <mc:AlternateContent xmlns:mc="http://schemas.openxmlformats.org/markup-compatibility/2006" xmlns:a14="http://schemas.microsoft.com/office/drawing/2010/main">
+        <mc:Choice Requires="a14">
           <p:sp>
             <p:nvSpPr>
               <p:cNvPr id="6" name="TextBox 5">
@@ -7931,6 +7933,7 @@
               </a:bodyPr>
               <a:lstStyle/>
               <a:p>
+                <a:pPr/>
                 <a14:m>
                   <m:oMathPara xmlns:m="http://schemas.openxmlformats.org/officeDocument/2006/math">
                     <m:oMathParaPr>
@@ -8201,7 +8204,7 @@
             </p:txBody>
           </p:sp>
         </mc:Choice>
-        <mc:Fallback>
+        <mc:Fallback xmlns="">
           <p:sp>
             <p:nvSpPr>
               <p:cNvPr id="6" name="TextBox 5">
@@ -8246,8 +8249,8 @@
           </p:sp>
         </mc:Fallback>
       </mc:AlternateContent>
-      <mc:AlternateContent xmlns:mc="http://schemas.openxmlformats.org/markup-compatibility/2006">
-        <mc:Choice xmlns:a14="http://schemas.microsoft.com/office/drawing/2010/main" Requires="a14">
+      <mc:AlternateContent xmlns:mc="http://schemas.openxmlformats.org/markup-compatibility/2006" xmlns:a14="http://schemas.microsoft.com/office/drawing/2010/main">
+        <mc:Choice Requires="a14">
           <p:sp>
             <p:nvSpPr>
               <p:cNvPr id="7" name="TextBox 6">
@@ -8276,6 +8279,7 @@
               </a:bodyPr>
               <a:lstStyle/>
               <a:p>
+                <a:pPr/>
                 <a14:m>
                   <m:oMathPara xmlns:m="http://schemas.openxmlformats.org/officeDocument/2006/math">
                     <m:oMathParaPr>
@@ -8616,7 +8620,7 @@
             </p:txBody>
           </p:sp>
         </mc:Choice>
-        <mc:Fallback>
+        <mc:Fallback xmlns="">
           <p:sp>
             <p:nvSpPr>
               <p:cNvPr id="7" name="TextBox 6">
@@ -8665,6 +8669,151 @@
     <p:extLst>
       <p:ext uri="{BB962C8B-B14F-4D97-AF65-F5344CB8AC3E}">
         <p14:creationId xmlns:p14="http://schemas.microsoft.com/office/powerpoint/2010/main" val="2408713658"/>
+      </p:ext>
+    </p:extLst>
+  </p:cSld>
+  <p:clrMapOvr>
+    <a:masterClrMapping/>
+  </p:clrMapOvr>
+</p:sld>
+</file>
+
+<file path=ppt/slides/slide5.xml><?xml version="1.0" encoding="utf-8"?>
+<p:sld xmlns:a="http://schemas.openxmlformats.org/drawingml/2006/main" xmlns:r="http://schemas.openxmlformats.org/officeDocument/2006/relationships" xmlns:p="http://schemas.openxmlformats.org/presentationml/2006/main">
+  <p:cSld>
+    <p:spTree>
+      <p:nvGrpSpPr>
+        <p:cNvPr id="1" name="">
+          <a:extLst>
+            <a:ext uri="{FF2B5EF4-FFF2-40B4-BE49-F238E27FC236}">
+              <a16:creationId xmlns:a16="http://schemas.microsoft.com/office/drawing/2014/main" id="{68C16ECF-CF6B-150A-D815-D3E9E6821E45}"/>
+            </a:ext>
+          </a:extLst>
+        </p:cNvPr>
+        <p:cNvGrpSpPr/>
+        <p:nvPr/>
+      </p:nvGrpSpPr>
+      <p:grpSpPr>
+        <a:xfrm>
+          <a:off x="0" y="0"/>
+          <a:ext cx="0" cy="0"/>
+          <a:chOff x="0" y="0"/>
+          <a:chExt cx="0" cy="0"/>
+        </a:xfrm>
+      </p:grpSpPr>
+      <mc:AlternateContent xmlns:mc="http://schemas.openxmlformats.org/markup-compatibility/2006">
+        <mc:Choice xmlns:a14="http://schemas.microsoft.com/office/drawing/2010/main" Requires="a14">
+          <p:sp>
+            <p:nvSpPr>
+              <p:cNvPr id="2" name="TextBox 1">
+                <a:extLst>
+                  <a:ext uri="{FF2B5EF4-FFF2-40B4-BE49-F238E27FC236}">
+                    <a16:creationId xmlns:a16="http://schemas.microsoft.com/office/drawing/2014/main" id="{A05AFF94-27B1-AEFF-C9B9-87224F95FE1B}"/>
+                  </a:ext>
+                </a:extLst>
+              </p:cNvPr>
+              <p:cNvSpPr txBox="1"/>
+              <p:nvPr/>
+            </p:nvSpPr>
+            <p:spPr>
+              <a:xfrm>
+                <a:off x="5476973" y="3077851"/>
+                <a:ext cx="1039067" cy="461665"/>
+              </a:xfrm>
+              <a:prstGeom prst="rect">
+                <a:avLst/>
+              </a:prstGeom>
+              <a:noFill/>
+            </p:spPr>
+            <p:txBody>
+              <a:bodyPr wrap="none" lIns="0" tIns="0" rIns="0" bIns="0" rtlCol="0">
+                <a:spAutoFit/>
+              </a:bodyPr>
+              <a:lstStyle/>
+              <a:p>
+                <a14:m>
+                  <m:oMathPara xmlns:m="http://schemas.openxmlformats.org/officeDocument/2006/math">
+                    <m:oMathParaPr>
+                      <m:jc m:val="centerGroup"/>
+                    </m:oMathParaPr>
+                    <m:oMath xmlns:m="http://schemas.openxmlformats.org/officeDocument/2006/math">
+                      <m:r>
+                        <a:rPr lang="en-MY" sz="3000" b="0" i="1" smtClean="0">
+                          <a:latin typeface="Cambria Math" panose="02040503050406030204" pitchFamily="18" charset="0"/>
+                        </a:rPr>
+                        <m:t>𝑇</m:t>
+                      </m:r>
+                      <m:r>
+                        <a:rPr lang="en-MY" sz="3000" b="0" i="1" smtClean="0">
+                          <a:latin typeface="Cambria Math" panose="02040503050406030204" pitchFamily="18" charset="0"/>
+                          <a:ea typeface="Cambria Math" panose="02040503050406030204" pitchFamily="18" charset="0"/>
+                        </a:rPr>
+                        <m:t>⊥</m:t>
+                      </m:r>
+                      <m:r>
+                        <a:rPr lang="en-MY" sz="3000" b="0" i="1" smtClean="0">
+                          <a:latin typeface="Cambria Math" panose="02040503050406030204" pitchFamily="18" charset="0"/>
+                          <a:ea typeface="Cambria Math" panose="02040503050406030204" pitchFamily="18" charset="0"/>
+                        </a:rPr>
+                        <m:t>𝐶</m:t>
+                      </m:r>
+                    </m:oMath>
+                  </m:oMathPara>
+                </a14:m>
+                <a:endParaRPr lang="en-MY" sz="3000" dirty="0"/>
+              </a:p>
+            </p:txBody>
+          </p:sp>
+        </mc:Choice>
+        <mc:Fallback>
+          <p:sp>
+            <p:nvSpPr>
+              <p:cNvPr id="2" name="TextBox 1">
+                <a:extLst>
+                  <a:ext uri="{FF2B5EF4-FFF2-40B4-BE49-F238E27FC236}">
+                    <a16:creationId xmlns:a16="http://schemas.microsoft.com/office/drawing/2014/main" id="{A05AFF94-27B1-AEFF-C9B9-87224F95FE1B}"/>
+                  </a:ext>
+                </a:extLst>
+              </p:cNvPr>
+              <p:cNvSpPr txBox="1">
+                <a:spLocks noRot="1" noChangeAspect="1" noMove="1" noResize="1" noEditPoints="1" noAdjustHandles="1" noChangeArrowheads="1" noChangeShapeType="1" noTextEdit="1"/>
+              </p:cNvSpPr>
+              <p:nvPr/>
+            </p:nvSpPr>
+            <p:spPr>
+              <a:xfrm>
+                <a:off x="5476973" y="3077851"/>
+                <a:ext cx="1039067" cy="461665"/>
+              </a:xfrm>
+              <a:prstGeom prst="rect">
+                <a:avLst/>
+              </a:prstGeom>
+              <a:blipFill>
+                <a:blip r:embed="rId2"/>
+                <a:stretch>
+                  <a:fillRect/>
+                </a:stretch>
+              </a:blipFill>
+            </p:spPr>
+            <p:txBody>
+              <a:bodyPr/>
+              <a:lstStyle/>
+              <a:p>
+                <a:r>
+                  <a:rPr lang="en-MY">
+                    <a:noFill/>
+                  </a:rPr>
+                  <a:t> </a:t>
+                </a:r>
+              </a:p>
+            </p:txBody>
+          </p:sp>
+        </mc:Fallback>
+      </mc:AlternateContent>
+    </p:spTree>
+    <p:extLst>
+      <p:ext uri="{BB962C8B-B14F-4D97-AF65-F5344CB8AC3E}">
+        <p14:creationId xmlns:p14="http://schemas.microsoft.com/office/powerpoint/2010/main" val="604507028"/>
       </p:ext>
     </p:extLst>
   </p:cSld>
